--- a/project_documentation/presentation_project_dski.pptx
+++ b/project_documentation/presentation_project_dski.pptx
@@ -134,7 +134,7 @@
   <pc:docChgLst>
     <pc:chgData name="Grundei, Aimee" userId="f17c29a4-8d4b-49ee-838b-97aeaaadd7f3" providerId="ADAL" clId="{4E910B0D-87E2-5B16-9603-2483FCBA173F}"/>
     <pc:docChg chg="undo custSel addSld delSld modSld sldOrd">
-      <pc:chgData name="Grundei, Aimee" userId="f17c29a4-8d4b-49ee-838b-97aeaaadd7f3" providerId="ADAL" clId="{4E910B0D-87E2-5B16-9603-2483FCBA173F}" dt="2025-11-20T13:26:34.873" v="2371" actId="255"/>
+      <pc:chgData name="Grundei, Aimee" userId="f17c29a4-8d4b-49ee-838b-97aeaaadd7f3" providerId="ADAL" clId="{4E910B0D-87E2-5B16-9603-2483FCBA173F}" dt="2025-11-20T14:15:18.474" v="2425" actId="20577"/>
       <pc:docMkLst>
         <pc:docMk/>
       </pc:docMkLst>
@@ -154,7 +154,7 @@
         </pc:cxnChg>
       </pc:sldChg>
       <pc:sldChg chg="addSp modSp mod ord">
-        <pc:chgData name="Grundei, Aimee" userId="f17c29a4-8d4b-49ee-838b-97aeaaadd7f3" providerId="ADAL" clId="{4E910B0D-87E2-5B16-9603-2483FCBA173F}" dt="2025-11-20T12:58:40.634" v="1787" actId="20577"/>
+        <pc:chgData name="Grundei, Aimee" userId="f17c29a4-8d4b-49ee-838b-97aeaaadd7f3" providerId="ADAL" clId="{4E910B0D-87E2-5B16-9603-2483FCBA173F}" dt="2025-11-20T14:15:18.474" v="2425" actId="20577"/>
         <pc:sldMkLst>
           <pc:docMk/>
           <pc:sldMk cId="3694374871" sldId="261"/>
@@ -168,7 +168,7 @@
           </ac:spMkLst>
         </pc:spChg>
         <pc:spChg chg="mod">
-          <ac:chgData name="Grundei, Aimee" userId="f17c29a4-8d4b-49ee-838b-97aeaaadd7f3" providerId="ADAL" clId="{4E910B0D-87E2-5B16-9603-2483FCBA173F}" dt="2025-11-20T12:46:56.948" v="1374" actId="255"/>
+          <ac:chgData name="Grundei, Aimee" userId="f17c29a4-8d4b-49ee-838b-97aeaaadd7f3" providerId="ADAL" clId="{4E910B0D-87E2-5B16-9603-2483FCBA173F}" dt="2025-11-20T14:15:18.474" v="2425" actId="20577"/>
           <ac:spMkLst>
             <pc:docMk/>
             <pc:sldMk cId="3694374871" sldId="261"/>
@@ -12934,16 +12934,20 @@
           </a:p>
           <a:p>
             <a:r>
+              <a:rPr lang="en-US" sz="2200" dirty="0"/>
+              <a:t>Mehr </a:t>
+            </a:r>
+            <a:r>
               <a:rPr lang="en-US" sz="2200" dirty="0" err="1"/>
-              <a:t>Direktes</a:t>
+              <a:t>bzw</a:t>
             </a:r>
             <a:r>
               <a:rPr lang="en-US" sz="2200" dirty="0"/>
-              <a:t> Feedback </a:t>
+              <a:t>. </a:t>
             </a:r>
             <a:r>
               <a:rPr lang="en-US" sz="2200" dirty="0" err="1"/>
-              <a:t>durch</a:t>
+              <a:t>bessere</a:t>
             </a:r>
             <a:r>
               <a:rPr lang="en-US" sz="2200" dirty="0"/>
@@ -12951,15 +12955,7 @@
             </a:r>
             <a:r>
               <a:rPr lang="en-US" sz="2200" dirty="0" err="1"/>
-              <a:t>visuelle</a:t>
-            </a:r>
-            <a:r>
-              <a:rPr lang="en-US" sz="2200" dirty="0"/>
-              <a:t> </a:t>
-            </a:r>
-            <a:r>
-              <a:rPr lang="en-US" sz="2200" dirty="0" err="1"/>
-              <a:t>Markierungen</a:t>
+              <a:t>Diagramme</a:t>
             </a:r>
             <a:endParaRPr lang="en-US" sz="2200" dirty="0"/>
           </a:p>
@@ -14035,34 +14031,6 @@
 </file>
 
 <file path=customXml/item1.xml><?xml version="1.0" encoding="utf-8"?>
-<?mso-contentType ?>
-<FormTemplates xmlns="http://schemas.microsoft.com/sharepoint/v3/contenttype/forms">
-  <Display>DocumentLibraryForm</Display>
-  <Edit>DocumentLibraryForm</Edit>
-  <New>DocumentLibraryForm</New>
-</FormTemplates>
-</file>
-
-<file path=customXml/item2.xml><?xml version="1.0" encoding="utf-8"?>
-<p:properties xmlns:p="http://schemas.microsoft.com/office/2006/metadata/properties" xmlns:xsi="http://www.w3.org/2001/XMLSchema-instance" xmlns:pc="http://schemas.microsoft.com/office/infopath/2007/PartnerControls">
-  <documentManagement>
-    <_ip_UnifiedCompliancePolicyUIAction xmlns="http://schemas.microsoft.com/sharepoint/v3" xsi:nil="true"/>
-    <Image xmlns="71af3243-3dd4-4a8d-8c0d-dd76da1f02a5">
-      <Url xsi:nil="true"/>
-      <Description xsi:nil="true"/>
-    </Image>
-    <Status xmlns="71af3243-3dd4-4a8d-8c0d-dd76da1f02a5">Not started</Status>
-    <_ip_UnifiedCompliancePolicyProperties xmlns="http://schemas.microsoft.com/sharepoint/v3" xsi:nil="true"/>
-    <lcf76f155ced4ddcb4097134ff3c332f xmlns="71af3243-3dd4-4a8d-8c0d-dd76da1f02a5">
-      <Terms xmlns="http://schemas.microsoft.com/office/infopath/2007/PartnerControls"/>
-    </lcf76f155ced4ddcb4097134ff3c332f>
-    <TaxCatchAll xmlns="230e9df3-be65-4c73-a93b-d1236ebd677e"/>
-    <MediaServiceKeyPoints xmlns="71af3243-3dd4-4a8d-8c0d-dd76da1f02a5" xsi:nil="true"/>
-  </documentManagement>
-</p:properties>
-</file>
-
-<file path=customXml/item3.xml><?xml version="1.0" encoding="utf-8"?>
 <ct:contentTypeSchema xmlns:ct="http://schemas.microsoft.com/office/2006/metadata/contentType" xmlns:ma="http://schemas.microsoft.com/office/2006/metadata/properties/metaAttributes" ct:_="" ma:_="" ma:contentTypeName="Document" ma:contentTypeID="0x01010079F111ED35F8CC479449609E8A0923A6" ma:contentTypeVersion="18" ma:contentTypeDescription="Create a new document." ma:contentTypeScope="" ma:versionID="22a266b9fa9a230c5a512669d8b298c3">
   <xsd:schema xmlns:xsd="http://www.w3.org/2001/XMLSchema" xmlns:xs="http://www.w3.org/2001/XMLSchema" xmlns:p="http://schemas.microsoft.com/office/2006/metadata/properties" xmlns:ns1="http://schemas.microsoft.com/sharepoint/v3" xmlns:ns2="71af3243-3dd4-4a8d-8c0d-dd76da1f02a5" xmlns:ns3="16c05727-aa75-4e4a-9b5f-8a80a1165891" xmlns:ns4="230e9df3-be65-4c73-a93b-d1236ebd677e" targetNamespace="http://schemas.microsoft.com/office/2006/metadata/properties" ma:root="true" ma:fieldsID="eddc33fff6b14141ee5c74a0d29ea6a1" ns1:_="" ns2:_="" ns3:_="" ns4:_="">
     <xsd:import namespace="http://schemas.microsoft.com/sharepoint/v3"/>
@@ -14338,34 +14306,35 @@
 </ct:contentTypeSchema>
 </file>
 
-<file path=customXml/itemProps1.xml><?xml version="1.0" encoding="utf-8"?>
-<ds:datastoreItem xmlns:ds="http://schemas.openxmlformats.org/officeDocument/2006/customXml" ds:itemID="{773ADB9C-2137-454E-93EA-8050CA9AC5BD}">
-  <ds:schemaRefs>
-    <ds:schemaRef ds:uri="http://schemas.microsoft.com/sharepoint/v3/contenttype/forms"/>
-  </ds:schemaRefs>
-</ds:datastoreItem>
+<file path=customXml/item2.xml><?xml version="1.0" encoding="utf-8"?>
+<p:properties xmlns:p="http://schemas.microsoft.com/office/2006/metadata/properties" xmlns:xsi="http://www.w3.org/2001/XMLSchema-instance" xmlns:pc="http://schemas.microsoft.com/office/infopath/2007/PartnerControls">
+  <documentManagement>
+    <_ip_UnifiedCompliancePolicyUIAction xmlns="http://schemas.microsoft.com/sharepoint/v3" xsi:nil="true"/>
+    <Image xmlns="71af3243-3dd4-4a8d-8c0d-dd76da1f02a5">
+      <Url xsi:nil="true"/>
+      <Description xsi:nil="true"/>
+    </Image>
+    <Status xmlns="71af3243-3dd4-4a8d-8c0d-dd76da1f02a5">Not started</Status>
+    <_ip_UnifiedCompliancePolicyProperties xmlns="http://schemas.microsoft.com/sharepoint/v3" xsi:nil="true"/>
+    <lcf76f155ced4ddcb4097134ff3c332f xmlns="71af3243-3dd4-4a8d-8c0d-dd76da1f02a5">
+      <Terms xmlns="http://schemas.microsoft.com/office/infopath/2007/PartnerControls"/>
+    </lcf76f155ced4ddcb4097134ff3c332f>
+    <TaxCatchAll xmlns="230e9df3-be65-4c73-a93b-d1236ebd677e"/>
+    <MediaServiceKeyPoints xmlns="71af3243-3dd4-4a8d-8c0d-dd76da1f02a5" xsi:nil="true"/>
+  </documentManagement>
+</p:properties>
 </file>
 
-<file path=customXml/itemProps2.xml><?xml version="1.0" encoding="utf-8"?>
-<ds:datastoreItem xmlns:ds="http://schemas.openxmlformats.org/officeDocument/2006/customXml" ds:itemID="{B8BA3AEB-0B6D-4F09-8EB6-86588D7AB1E7}">
-  <ds:schemaRefs>
-    <ds:schemaRef ds:uri="http://purl.org/dc/elements/1.1/"/>
-    <ds:schemaRef ds:uri="http://schemas.microsoft.com/sharepoint/v3"/>
-    <ds:schemaRef ds:uri="http://schemas.microsoft.com/office/2006/documentManagement/types"/>
-    <ds:schemaRef ds:uri="http://schemas.microsoft.com/office/2006/metadata/properties"/>
-    <ds:schemaRef ds:uri="http://purl.org/dc/dcmitype/"/>
-    <ds:schemaRef ds:uri="http://schemas.microsoft.com/office/infopath/2007/PartnerControls"/>
-    <ds:schemaRef ds:uri="http://purl.org/dc/terms/"/>
-    <ds:schemaRef ds:uri="16c05727-aa75-4e4a-9b5f-8a80a1165891"/>
-    <ds:schemaRef ds:uri="http://schemas.openxmlformats.org/package/2006/metadata/core-properties"/>
-    <ds:schemaRef ds:uri="230e9df3-be65-4c73-a93b-d1236ebd677e"/>
-    <ds:schemaRef ds:uri="71af3243-3dd4-4a8d-8c0d-dd76da1f02a5"/>
-    <ds:schemaRef ds:uri="http://www.w3.org/XML/1998/namespace"/>
-  </ds:schemaRefs>
-</ds:datastoreItem>
+<file path=customXml/item3.xml><?xml version="1.0" encoding="utf-8"?>
+<?mso-contentType ?>
+<FormTemplates xmlns="http://schemas.microsoft.com/sharepoint/v3/contenttype/forms">
+  <Display>DocumentLibraryForm</Display>
+  <Edit>DocumentLibraryForm</Edit>
+  <New>DocumentLibraryForm</New>
+</FormTemplates>
 </file>
 
-<file path=customXml/itemProps3.xml><?xml version="1.0" encoding="utf-8"?>
+<file path=customXml/itemProps1.xml><?xml version="1.0" encoding="utf-8"?>
 <ds:datastoreItem xmlns:ds="http://schemas.openxmlformats.org/officeDocument/2006/customXml" ds:itemID="{F207BF10-CF7B-4768-919D-354C4FEDF0AA}">
   <ds:schemaRefs>
     <ds:schemaRef ds:uri="http://schemas.microsoft.com/office/2006/metadata/contentType"/>
@@ -14386,6 +14355,33 @@
 </ds:datastoreItem>
 </file>
 
+<file path=customXml/itemProps2.xml><?xml version="1.0" encoding="utf-8"?>
+<ds:datastoreItem xmlns:ds="http://schemas.openxmlformats.org/officeDocument/2006/customXml" ds:itemID="{B8BA3AEB-0B6D-4F09-8EB6-86588D7AB1E7}">
+  <ds:schemaRefs>
+    <ds:schemaRef ds:uri="http://www.w3.org/XML/1998/namespace"/>
+    <ds:schemaRef ds:uri="16c05727-aa75-4e4a-9b5f-8a80a1165891"/>
+    <ds:schemaRef ds:uri="http://schemas.microsoft.com/office/2006/metadata/properties"/>
+    <ds:schemaRef ds:uri="71af3243-3dd4-4a8d-8c0d-dd76da1f02a5"/>
+    <ds:schemaRef ds:uri="http://schemas.microsoft.com/sharepoint/v3"/>
+    <ds:schemaRef ds:uri="http://purl.org/dc/dcmitype/"/>
+    <ds:schemaRef ds:uri="http://purl.org/dc/terms/"/>
+    <ds:schemaRef ds:uri="http://purl.org/dc/elements/1.1/"/>
+    <ds:schemaRef ds:uri="http://schemas.microsoft.com/office/2006/documentManagement/types"/>
+    <ds:schemaRef ds:uri="230e9df3-be65-4c73-a93b-d1236ebd677e"/>
+    <ds:schemaRef ds:uri="http://schemas.microsoft.com/office/infopath/2007/PartnerControls"/>
+    <ds:schemaRef ds:uri="http://schemas.openxmlformats.org/package/2006/metadata/core-properties"/>
+  </ds:schemaRefs>
+</ds:datastoreItem>
+</file>
+
+<file path=customXml/itemProps3.xml><?xml version="1.0" encoding="utf-8"?>
+<ds:datastoreItem xmlns:ds="http://schemas.openxmlformats.org/officeDocument/2006/customXml" ds:itemID="{773ADB9C-2137-454E-93EA-8050CA9AC5BD}">
+  <ds:schemaRefs>
+    <ds:schemaRef ds:uri="http://schemas.microsoft.com/sharepoint/v3/contenttype/forms"/>
+  </ds:schemaRefs>
+</ds:datastoreItem>
+</file>
+
 <file path=docMetadata/LabelInfo.xml><?xml version="1.0" encoding="utf-8"?>
 <clbl:labelList xmlns:clbl="http://schemas.microsoft.com/office/2020/mipLabelMetadata">
   <clbl:label id="{1c3ba50a-93e8-411f-aceb-87183474575f}" enabled="1" method="Standard" siteId="{3bfeb222-e42c-4535-aace-ea6f7751369b}" removed="0"/>

--- a/project_documentation/presentation_project_dski.pptx
+++ b/project_documentation/presentation_project_dski.pptx
@@ -124,7 +124,7 @@
 <file path=ppt/revisionInfo.xml><?xml version="1.0" encoding="utf-8"?>
 <p1510:revInfo xmlns:a="http://schemas.openxmlformats.org/drawingml/2006/main" xmlns:r="http://schemas.openxmlformats.org/officeDocument/2006/relationships" xmlns:p1510="http://schemas.microsoft.com/office/powerpoint/2015/10/main">
   <p1510:revLst>
-    <p1510:client id="{4040CFAF-94CD-284E-81FA-43D4A2981A67}" v="34" dt="2025-11-20T12:59:18.011"/>
+    <p1510:client id="{4040CFAF-94CD-284E-81FA-43D4A2981A67}" v="37" dt="2025-11-21T09:07:25.431"/>
   </p1510:revLst>
 </p1510:revInfo>
 </file>
@@ -134,7 +134,7 @@
   <pc:docChgLst>
     <pc:chgData name="Grundei, Aimee" userId="f17c29a4-8d4b-49ee-838b-97aeaaadd7f3" providerId="ADAL" clId="{4E910B0D-87E2-5B16-9603-2483FCBA173F}"/>
     <pc:docChg chg="undo custSel addSld delSld modSld sldOrd">
-      <pc:chgData name="Grundei, Aimee" userId="f17c29a4-8d4b-49ee-838b-97aeaaadd7f3" providerId="ADAL" clId="{4E910B0D-87E2-5B16-9603-2483FCBA173F}" dt="2025-11-20T14:15:18.474" v="2425" actId="20577"/>
+      <pc:chgData name="Grundei, Aimee" userId="f17c29a4-8d4b-49ee-838b-97aeaaadd7f3" providerId="ADAL" clId="{4E910B0D-87E2-5B16-9603-2483FCBA173F}" dt="2025-11-21T09:07:02.883" v="2470"/>
       <pc:docMkLst>
         <pc:docMk/>
       </pc:docMkLst>
@@ -237,14 +237,14 @@
           <pc:sldMk cId="3263422996" sldId="275"/>
         </pc:sldMkLst>
       </pc:sldChg>
-      <pc:sldChg chg="modSp mod ord">
-        <pc:chgData name="Grundei, Aimee" userId="f17c29a4-8d4b-49ee-838b-97aeaaadd7f3" providerId="ADAL" clId="{4E910B0D-87E2-5B16-9603-2483FCBA173F}" dt="2025-11-20T12:59:18.011" v="1809"/>
+      <pc:sldChg chg="addSp delSp modSp mod ord">
+        <pc:chgData name="Grundei, Aimee" userId="f17c29a4-8d4b-49ee-838b-97aeaaadd7f3" providerId="ADAL" clId="{4E910B0D-87E2-5B16-9603-2483FCBA173F}" dt="2025-11-21T09:07:02.883" v="2470"/>
         <pc:sldMkLst>
           <pc:docMk/>
           <pc:sldMk cId="1604482673" sldId="284"/>
         </pc:sldMkLst>
         <pc:spChg chg="mod">
-          <ac:chgData name="Grundei, Aimee" userId="f17c29a4-8d4b-49ee-838b-97aeaaadd7f3" providerId="ADAL" clId="{4E910B0D-87E2-5B16-9603-2483FCBA173F}" dt="2025-11-20T12:20:19.987" v="319" actId="20577"/>
+          <ac:chgData name="Grundei, Aimee" userId="f17c29a4-8d4b-49ee-838b-97aeaaadd7f3" providerId="ADAL" clId="{4E910B0D-87E2-5B16-9603-2483FCBA173F}" dt="2025-11-21T09:07:01.244" v="2468" actId="20577"/>
           <ac:spMkLst>
             <pc:docMk/>
             <pc:sldMk cId="1604482673" sldId="284"/>
@@ -257,6 +257,14 @@
             <pc:docMk/>
             <pc:sldMk cId="1604482673" sldId="284"/>
             <ac:spMk id="3" creationId="{893C76A6-847B-4C82-B5E0-00AA09AD00A5}"/>
+          </ac:spMkLst>
+        </pc:spChg>
+        <pc:spChg chg="add del mod">
+          <ac:chgData name="Grundei, Aimee" userId="f17c29a4-8d4b-49ee-838b-97aeaaadd7f3" providerId="ADAL" clId="{4E910B0D-87E2-5B16-9603-2483FCBA173F}" dt="2025-11-21T09:07:02.883" v="2470"/>
+          <ac:spMkLst>
+            <pc:docMk/>
+            <pc:sldMk cId="1604482673" sldId="284"/>
+            <ac:spMk id="4" creationId="{FFA2D7BC-B21F-78C9-115D-BD1D6A4296C1}"/>
           </ac:spMkLst>
         </pc:spChg>
         <pc:spChg chg="mod">
@@ -884,7 +892,7 @@
           <a:p>
             <a:fld id="{42251CB3-929A-46AA-91E0-510E89CC6168}" type="datetimeFigureOut">
               <a:rPr lang="en-US" smtClean="0"/>
-              <a:t>11/20/25</a:t>
+              <a:t>11/21/25</a:t>
             </a:fld>
             <a:endParaRPr lang="en-US" dirty="0"/>
           </a:p>
@@ -13348,7 +13356,9 @@
           </a:xfrm>
         </p:spPr>
         <p:txBody>
-          <a:bodyPr/>
+          <a:bodyPr>
+            <a:normAutofit/>
+          </a:bodyPr>
           <a:lstStyle/>
           <a:p>
             <a:r>
@@ -13367,6 +13377,157 @@
               </a:rPr>
               <a:t>!</a:t>
             </a:r>
+            <a:br>
+              <a:rPr lang="en-US" dirty="0">
+                <a:solidFill>
+                  <a:srgbClr val="6F2D47"/>
+                </a:solidFill>
+              </a:rPr>
+            </a:br>
+            <a:br>
+              <a:rPr lang="en-US" dirty="0">
+                <a:solidFill>
+                  <a:srgbClr val="6F2D47"/>
+                </a:solidFill>
+              </a:rPr>
+            </a:br>
+            <a:br>
+              <a:rPr lang="en-US" dirty="0">
+                <a:solidFill>
+                  <a:srgbClr val="6F2D47"/>
+                </a:solidFill>
+              </a:rPr>
+            </a:br>
+            <a:r>
+              <a:rPr lang="en-US" sz="2700" dirty="0">
+                <a:solidFill>
+                  <a:srgbClr val="6F2D47"/>
+                </a:solidFill>
+              </a:rPr>
+              <a:t>Hier </a:t>
+            </a:r>
+            <a:r>
+              <a:rPr lang="en-US" sz="2700" dirty="0" err="1">
+                <a:solidFill>
+                  <a:srgbClr val="6F2D47"/>
+                </a:solidFill>
+              </a:rPr>
+              <a:t>findet</a:t>
+            </a:r>
+            <a:r>
+              <a:rPr lang="en-US" sz="2700" dirty="0">
+                <a:solidFill>
+                  <a:srgbClr val="6F2D47"/>
+                </a:solidFill>
+              </a:rPr>
+              <a:t> </a:t>
+            </a:r>
+            <a:r>
+              <a:rPr lang="en-US" sz="2700" dirty="0" err="1">
+                <a:solidFill>
+                  <a:srgbClr val="6F2D47"/>
+                </a:solidFill>
+              </a:rPr>
+              <a:t>Ihr</a:t>
+            </a:r>
+            <a:r>
+              <a:rPr lang="en-US" sz="2700" dirty="0">
+                <a:solidFill>
+                  <a:srgbClr val="6F2D47"/>
+                </a:solidFill>
+              </a:rPr>
+              <a:t> </a:t>
+            </a:r>
+            <a:r>
+              <a:rPr lang="en-US" sz="2700" dirty="0" err="1">
+                <a:solidFill>
+                  <a:srgbClr val="6F2D47"/>
+                </a:solidFill>
+              </a:rPr>
+              <a:t>unser</a:t>
+            </a:r>
+            <a:r>
+              <a:rPr lang="en-US" sz="2700" dirty="0">
+                <a:solidFill>
+                  <a:srgbClr val="6F2D47"/>
+                </a:solidFill>
+              </a:rPr>
+              <a:t> Projekt:</a:t>
+            </a:r>
+            <a:br>
+              <a:rPr lang="en-US" sz="2700" dirty="0">
+                <a:solidFill>
+                  <a:srgbClr val="6F2D47"/>
+                </a:solidFill>
+              </a:rPr>
+            </a:br>
+            <a:r>
+              <a:rPr lang="en-US" sz="2700" dirty="0">
+                <a:solidFill>
+                  <a:srgbClr val="6F2D47"/>
+                </a:solidFill>
+              </a:rPr>
+              <a:t> </a:t>
+            </a:r>
+            <a:r>
+              <a:rPr lang="en-US" sz="2600" dirty="0">
+                <a:solidFill>
+                  <a:srgbClr val="6F2D47"/>
+                </a:solidFill>
+                <a:hlinkClick r:id="rId3"/>
+              </a:rPr>
+              <a:t>https://</a:t>
+            </a:r>
+            <a:r>
+              <a:rPr lang="en-US" sz="2600" dirty="0" err="1">
+                <a:solidFill>
+                  <a:srgbClr val="6F2D47"/>
+                </a:solidFill>
+                <a:hlinkClick r:id="rId3"/>
+              </a:rPr>
+              <a:t>github.com</a:t>
+            </a:r>
+            <a:r>
+              <a:rPr lang="en-US" sz="2600" dirty="0">
+                <a:solidFill>
+                  <a:srgbClr val="6F2D47"/>
+                </a:solidFill>
+                <a:hlinkClick r:id="rId3"/>
+              </a:rPr>
+              <a:t>/</a:t>
+            </a:r>
+            <a:r>
+              <a:rPr lang="en-US" sz="2600" dirty="0" err="1">
+                <a:solidFill>
+                  <a:srgbClr val="6F2D47"/>
+                </a:solidFill>
+                <a:hlinkClick r:id="rId3"/>
+              </a:rPr>
+              <a:t>AimeeElaineGrundei</a:t>
+            </a:r>
+            <a:r>
+              <a:rPr lang="en-US" sz="2600" dirty="0">
+                <a:solidFill>
+                  <a:srgbClr val="6F2D47"/>
+                </a:solidFill>
+                <a:hlinkClick r:id="rId3"/>
+              </a:rPr>
+              <a:t>/</a:t>
+            </a:r>
+            <a:r>
+              <a:rPr lang="en-US" sz="2600" dirty="0" err="1">
+                <a:solidFill>
+                  <a:srgbClr val="6F2D47"/>
+                </a:solidFill>
+                <a:hlinkClick r:id="rId3"/>
+              </a:rPr>
+              <a:t>project_dski_mnist_dataset</a:t>
+            </a:r>
+            <a:endParaRPr lang="en-US" sz="2600" dirty="0">
+              <a:solidFill>
+                <a:srgbClr val="6F2D47"/>
+              </a:solidFill>
+            </a:endParaRPr>
           </a:p>
         </p:txBody>
       </p:sp>
@@ -13424,7 +13585,7 @@
           </p:nvPr>
         </p:nvPicPr>
         <p:blipFill rotWithShape="1">
-          <a:blip r:embed="rId3" cstate="screen">
+          <a:blip r:embed="rId4" cstate="screen">
             <a:extLst>
               <a:ext uri="{28A0092B-C50C-407E-A947-70E740481C1C}">
                 <a14:useLocalDpi xmlns:a14="http://schemas.microsoft.com/office/drawing/2010/main" val="0"/>
@@ -14031,6 +14192,34 @@
 </file>
 
 <file path=customXml/item1.xml><?xml version="1.0" encoding="utf-8"?>
+<?mso-contentType ?>
+<FormTemplates xmlns="http://schemas.microsoft.com/sharepoint/v3/contenttype/forms">
+  <Display>DocumentLibraryForm</Display>
+  <Edit>DocumentLibraryForm</Edit>
+  <New>DocumentLibraryForm</New>
+</FormTemplates>
+</file>
+
+<file path=customXml/item2.xml><?xml version="1.0" encoding="utf-8"?>
+<p:properties xmlns:p="http://schemas.microsoft.com/office/2006/metadata/properties" xmlns:xsi="http://www.w3.org/2001/XMLSchema-instance" xmlns:pc="http://schemas.microsoft.com/office/infopath/2007/PartnerControls">
+  <documentManagement>
+    <_ip_UnifiedCompliancePolicyUIAction xmlns="http://schemas.microsoft.com/sharepoint/v3" xsi:nil="true"/>
+    <Image xmlns="71af3243-3dd4-4a8d-8c0d-dd76da1f02a5">
+      <Url xsi:nil="true"/>
+      <Description xsi:nil="true"/>
+    </Image>
+    <Status xmlns="71af3243-3dd4-4a8d-8c0d-dd76da1f02a5">Not started</Status>
+    <_ip_UnifiedCompliancePolicyProperties xmlns="http://schemas.microsoft.com/sharepoint/v3" xsi:nil="true"/>
+    <lcf76f155ced4ddcb4097134ff3c332f xmlns="71af3243-3dd4-4a8d-8c0d-dd76da1f02a5">
+      <Terms xmlns="http://schemas.microsoft.com/office/infopath/2007/PartnerControls"/>
+    </lcf76f155ced4ddcb4097134ff3c332f>
+    <TaxCatchAll xmlns="230e9df3-be65-4c73-a93b-d1236ebd677e"/>
+    <MediaServiceKeyPoints xmlns="71af3243-3dd4-4a8d-8c0d-dd76da1f02a5" xsi:nil="true"/>
+  </documentManagement>
+</p:properties>
+</file>
+
+<file path=customXml/item3.xml><?xml version="1.0" encoding="utf-8"?>
 <ct:contentTypeSchema xmlns:ct="http://schemas.microsoft.com/office/2006/metadata/contentType" xmlns:ma="http://schemas.microsoft.com/office/2006/metadata/properties/metaAttributes" ct:_="" ma:_="" ma:contentTypeName="Document" ma:contentTypeID="0x01010079F111ED35F8CC479449609E8A0923A6" ma:contentTypeVersion="18" ma:contentTypeDescription="Create a new document." ma:contentTypeScope="" ma:versionID="22a266b9fa9a230c5a512669d8b298c3">
   <xsd:schema xmlns:xsd="http://www.w3.org/2001/XMLSchema" xmlns:xs="http://www.w3.org/2001/XMLSchema" xmlns:p="http://schemas.microsoft.com/office/2006/metadata/properties" xmlns:ns1="http://schemas.microsoft.com/sharepoint/v3" xmlns:ns2="71af3243-3dd4-4a8d-8c0d-dd76da1f02a5" xmlns:ns3="16c05727-aa75-4e4a-9b5f-8a80a1165891" xmlns:ns4="230e9df3-be65-4c73-a93b-d1236ebd677e" targetNamespace="http://schemas.microsoft.com/office/2006/metadata/properties" ma:root="true" ma:fieldsID="eddc33fff6b14141ee5c74a0d29ea6a1" ns1:_="" ns2:_="" ns3:_="" ns4:_="">
     <xsd:import namespace="http://schemas.microsoft.com/sharepoint/v3"/>
@@ -14306,35 +14495,34 @@
 </ct:contentTypeSchema>
 </file>
 
-<file path=customXml/item2.xml><?xml version="1.0" encoding="utf-8"?>
-<p:properties xmlns:p="http://schemas.microsoft.com/office/2006/metadata/properties" xmlns:xsi="http://www.w3.org/2001/XMLSchema-instance" xmlns:pc="http://schemas.microsoft.com/office/infopath/2007/PartnerControls">
-  <documentManagement>
-    <_ip_UnifiedCompliancePolicyUIAction xmlns="http://schemas.microsoft.com/sharepoint/v3" xsi:nil="true"/>
-    <Image xmlns="71af3243-3dd4-4a8d-8c0d-dd76da1f02a5">
-      <Url xsi:nil="true"/>
-      <Description xsi:nil="true"/>
-    </Image>
-    <Status xmlns="71af3243-3dd4-4a8d-8c0d-dd76da1f02a5">Not started</Status>
-    <_ip_UnifiedCompliancePolicyProperties xmlns="http://schemas.microsoft.com/sharepoint/v3" xsi:nil="true"/>
-    <lcf76f155ced4ddcb4097134ff3c332f xmlns="71af3243-3dd4-4a8d-8c0d-dd76da1f02a5">
-      <Terms xmlns="http://schemas.microsoft.com/office/infopath/2007/PartnerControls"/>
-    </lcf76f155ced4ddcb4097134ff3c332f>
-    <TaxCatchAll xmlns="230e9df3-be65-4c73-a93b-d1236ebd677e"/>
-    <MediaServiceKeyPoints xmlns="71af3243-3dd4-4a8d-8c0d-dd76da1f02a5" xsi:nil="true"/>
-  </documentManagement>
-</p:properties>
+<file path=customXml/itemProps1.xml><?xml version="1.0" encoding="utf-8"?>
+<ds:datastoreItem xmlns:ds="http://schemas.openxmlformats.org/officeDocument/2006/customXml" ds:itemID="{773ADB9C-2137-454E-93EA-8050CA9AC5BD}">
+  <ds:schemaRefs>
+    <ds:schemaRef ds:uri="http://schemas.microsoft.com/sharepoint/v3/contenttype/forms"/>
+  </ds:schemaRefs>
+</ds:datastoreItem>
 </file>
 
-<file path=customXml/item3.xml><?xml version="1.0" encoding="utf-8"?>
-<?mso-contentType ?>
-<FormTemplates xmlns="http://schemas.microsoft.com/sharepoint/v3/contenttype/forms">
-  <Display>DocumentLibraryForm</Display>
-  <Edit>DocumentLibraryForm</Edit>
-  <New>DocumentLibraryForm</New>
-</FormTemplates>
+<file path=customXml/itemProps2.xml><?xml version="1.0" encoding="utf-8"?>
+<ds:datastoreItem xmlns:ds="http://schemas.openxmlformats.org/officeDocument/2006/customXml" ds:itemID="{B8BA3AEB-0B6D-4F09-8EB6-86588D7AB1E7}">
+  <ds:schemaRefs>
+    <ds:schemaRef ds:uri="71af3243-3dd4-4a8d-8c0d-dd76da1f02a5"/>
+    <ds:schemaRef ds:uri="http://purl.org/dc/elements/1.1/"/>
+    <ds:schemaRef ds:uri="http://www.w3.org/XML/1998/namespace"/>
+    <ds:schemaRef ds:uri="http://schemas.microsoft.com/office/2006/documentManagement/types"/>
+    <ds:schemaRef ds:uri="http://schemas.microsoft.com/office/infopath/2007/PartnerControls"/>
+    <ds:schemaRef ds:uri="http://schemas.openxmlformats.org/package/2006/metadata/core-properties"/>
+    <ds:schemaRef ds:uri="230e9df3-be65-4c73-a93b-d1236ebd677e"/>
+    <ds:schemaRef ds:uri="http://schemas.microsoft.com/sharepoint/v3"/>
+    <ds:schemaRef ds:uri="http://schemas.microsoft.com/office/2006/metadata/properties"/>
+    <ds:schemaRef ds:uri="16c05727-aa75-4e4a-9b5f-8a80a1165891"/>
+    <ds:schemaRef ds:uri="http://purl.org/dc/dcmitype/"/>
+    <ds:schemaRef ds:uri="http://purl.org/dc/terms/"/>
+  </ds:schemaRefs>
+</ds:datastoreItem>
 </file>
 
-<file path=customXml/itemProps1.xml><?xml version="1.0" encoding="utf-8"?>
+<file path=customXml/itemProps3.xml><?xml version="1.0" encoding="utf-8"?>
 <ds:datastoreItem xmlns:ds="http://schemas.openxmlformats.org/officeDocument/2006/customXml" ds:itemID="{F207BF10-CF7B-4768-919D-354C4FEDF0AA}">
   <ds:schemaRefs>
     <ds:schemaRef ds:uri="http://schemas.microsoft.com/office/2006/metadata/contentType"/>
@@ -14355,33 +14543,6 @@
 </ds:datastoreItem>
 </file>
 
-<file path=customXml/itemProps2.xml><?xml version="1.0" encoding="utf-8"?>
-<ds:datastoreItem xmlns:ds="http://schemas.openxmlformats.org/officeDocument/2006/customXml" ds:itemID="{B8BA3AEB-0B6D-4F09-8EB6-86588D7AB1E7}">
-  <ds:schemaRefs>
-    <ds:schemaRef ds:uri="http://www.w3.org/XML/1998/namespace"/>
-    <ds:schemaRef ds:uri="16c05727-aa75-4e4a-9b5f-8a80a1165891"/>
-    <ds:schemaRef ds:uri="http://schemas.microsoft.com/office/2006/metadata/properties"/>
-    <ds:schemaRef ds:uri="71af3243-3dd4-4a8d-8c0d-dd76da1f02a5"/>
-    <ds:schemaRef ds:uri="http://schemas.microsoft.com/sharepoint/v3"/>
-    <ds:schemaRef ds:uri="http://purl.org/dc/dcmitype/"/>
-    <ds:schemaRef ds:uri="http://purl.org/dc/terms/"/>
-    <ds:schemaRef ds:uri="http://purl.org/dc/elements/1.1/"/>
-    <ds:schemaRef ds:uri="http://schemas.microsoft.com/office/2006/documentManagement/types"/>
-    <ds:schemaRef ds:uri="230e9df3-be65-4c73-a93b-d1236ebd677e"/>
-    <ds:schemaRef ds:uri="http://schemas.microsoft.com/office/infopath/2007/PartnerControls"/>
-    <ds:schemaRef ds:uri="http://schemas.openxmlformats.org/package/2006/metadata/core-properties"/>
-  </ds:schemaRefs>
-</ds:datastoreItem>
-</file>
-
-<file path=customXml/itemProps3.xml><?xml version="1.0" encoding="utf-8"?>
-<ds:datastoreItem xmlns:ds="http://schemas.openxmlformats.org/officeDocument/2006/customXml" ds:itemID="{773ADB9C-2137-454E-93EA-8050CA9AC5BD}">
-  <ds:schemaRefs>
-    <ds:schemaRef ds:uri="http://schemas.microsoft.com/sharepoint/v3/contenttype/forms"/>
-  </ds:schemaRefs>
-</ds:datastoreItem>
-</file>
-
 <file path=docMetadata/LabelInfo.xml><?xml version="1.0" encoding="utf-8"?>
 <clbl:labelList xmlns:clbl="http://schemas.microsoft.com/office/2020/mipLabelMetadata">
   <clbl:label id="{1c3ba50a-93e8-411f-aceb-87183474575f}" enabled="1" method="Standard" siteId="{3bfeb222-e42c-4535-aace-ea6f7751369b}" removed="0"/>
